--- a/Presentation.pptx
+++ b/Presentation.pptx
@@ -305,7 +305,7 @@
           <a:p>
             <a:fld id="{098A0168-EB40-45AF-89A1-87DE0A55FFC6}" type="datetime1">
               <a:rPr lang="en-US" smtClean="0"/>
-              <a:t>4/8/2022</a:t>
+              <a:t>4/10/2022</a:t>
             </a:fld>
             <a:endParaRPr lang="en-US"/>
           </a:p>
@@ -580,7 +580,7 @@
           <a:p>
             <a:fld id="{CFBEA57F-793F-4683-BD8A-741FD4B89154}" type="datetime1">
               <a:rPr lang="en-US" smtClean="0"/>
-              <a:t>4/8/2022</a:t>
+              <a:t>4/10/2022</a:t>
             </a:fld>
             <a:endParaRPr lang="en-US" dirty="0"/>
           </a:p>
@@ -775,7 +775,7 @@
           <a:p>
             <a:fld id="{CFBEA57F-793F-4683-BD8A-741FD4B89154}" type="datetime1">
               <a:rPr lang="en-US" smtClean="0"/>
-              <a:t>4/8/2022</a:t>
+              <a:t>4/10/2022</a:t>
             </a:fld>
             <a:endParaRPr lang="en-US" dirty="0"/>
           </a:p>
@@ -1049,7 +1049,7 @@
           <a:p>
             <a:fld id="{CFBEA57F-793F-4683-BD8A-741FD4B89154}" type="datetime1">
               <a:rPr lang="en-US" smtClean="0"/>
-              <a:t>4/8/2022</a:t>
+              <a:t>4/10/2022</a:t>
             </a:fld>
             <a:endParaRPr lang="en-US" dirty="0"/>
           </a:p>
@@ -1391,7 +1391,7 @@
           <a:p>
             <a:fld id="{CFBEA57F-793F-4683-BD8A-741FD4B89154}" type="datetime1">
               <a:rPr lang="en-US" smtClean="0"/>
-              <a:t>4/8/2022</a:t>
+              <a:t>4/10/2022</a:t>
             </a:fld>
             <a:endParaRPr lang="en-US" dirty="0"/>
           </a:p>
@@ -2015,7 +2015,7 @@
           <a:p>
             <a:fld id="{CFBEA57F-793F-4683-BD8A-741FD4B89154}" type="datetime1">
               <a:rPr lang="en-US" smtClean="0"/>
-              <a:t>4/8/2022</a:t>
+              <a:t>4/10/2022</a:t>
             </a:fld>
             <a:endParaRPr lang="en-US" dirty="0"/>
           </a:p>
@@ -2876,7 +2876,7 @@
           <a:p>
             <a:fld id="{CFBEA57F-793F-4683-BD8A-741FD4B89154}" type="datetime1">
               <a:rPr lang="en-US" smtClean="0"/>
-              <a:t>4/8/2022</a:t>
+              <a:t>4/10/2022</a:t>
             </a:fld>
             <a:endParaRPr lang="en-US" dirty="0"/>
           </a:p>
@@ -3047,7 +3047,7 @@
           <a:p>
             <a:fld id="{8F8CA68F-747D-436A-B5BB-2EBC3ED499E4}" type="datetime1">
               <a:rPr lang="en-US" smtClean="0"/>
-              <a:t>4/8/2022</a:t>
+              <a:t>4/10/2022</a:t>
             </a:fld>
             <a:endParaRPr lang="en-US"/>
           </a:p>
@@ -3227,7 +3227,7 @@
           <a:p>
             <a:fld id="{6DD8DC11-9E39-40A0-B3DC-E3F2AD04A616}" type="datetime1">
               <a:rPr lang="en-US" smtClean="0"/>
-              <a:t>4/8/2022</a:t>
+              <a:t>4/10/2022</a:t>
             </a:fld>
             <a:endParaRPr lang="en-US"/>
           </a:p>
@@ -3397,7 +3397,7 @@
           <a:p>
             <a:fld id="{BE0A88F0-556B-4BB7-8AAB-D63AEB65C662}" type="datetime1">
               <a:rPr lang="en-US" smtClean="0"/>
-              <a:t>4/8/2022</a:t>
+              <a:t>4/10/2022</a:t>
             </a:fld>
             <a:endParaRPr lang="en-US"/>
           </a:p>
@@ -3644,7 +3644,7 @@
           <a:p>
             <a:fld id="{60E05506-6815-4E0E-B1DE-ECA35C2016DF}" type="datetime1">
               <a:rPr lang="en-US" smtClean="0"/>
-              <a:t>4/8/2022</a:t>
+              <a:t>4/10/2022</a:t>
             </a:fld>
             <a:endParaRPr lang="en-US"/>
           </a:p>
@@ -3936,7 +3936,7 @@
           <a:p>
             <a:fld id="{FC6E85F7-A724-48A4-9D33-CEBC5174E865}" type="datetime1">
               <a:rPr lang="en-US" smtClean="0"/>
-              <a:t>4/8/2022</a:t>
+              <a:t>4/10/2022</a:t>
             </a:fld>
             <a:endParaRPr lang="en-US"/>
           </a:p>
@@ -4380,7 +4380,7 @@
           <a:p>
             <a:fld id="{42806E7A-BDD3-46A3-BEE2-EB821F9236B4}" type="datetime1">
               <a:rPr lang="en-US" smtClean="0"/>
-              <a:t>4/8/2022</a:t>
+              <a:t>4/10/2022</a:t>
             </a:fld>
             <a:endParaRPr lang="en-US"/>
           </a:p>
@@ -4498,7 +4498,7 @@
           <a:p>
             <a:fld id="{9ED1540C-9440-4E7A-B71A-BEFEE06869E3}" type="datetime1">
               <a:rPr lang="en-US" smtClean="0"/>
-              <a:t>4/8/2022</a:t>
+              <a:t>4/10/2022</a:t>
             </a:fld>
             <a:endParaRPr lang="en-US"/>
           </a:p>
@@ -4593,7 +4593,7 @@
           <a:p>
             <a:fld id="{E0318DDB-88AC-4039-B59C-B05DC4C9C16C}" type="datetime1">
               <a:rPr lang="en-US" smtClean="0"/>
-              <a:t>4/8/2022</a:t>
+              <a:t>4/10/2022</a:t>
             </a:fld>
             <a:endParaRPr lang="en-US"/>
           </a:p>
@@ -4872,7 +4872,7 @@
           <a:p>
             <a:fld id="{E082ABFB-60E7-4BA1-866A-7059F058065B}" type="datetime1">
               <a:rPr lang="en-US" smtClean="0"/>
-              <a:t>4/8/2022</a:t>
+              <a:t>4/10/2022</a:t>
             </a:fld>
             <a:endParaRPr lang="en-US"/>
           </a:p>
@@ -5147,7 +5147,7 @@
           <a:p>
             <a:fld id="{2694112F-55F4-4776-A323-7418930321C8}" type="datetime1">
               <a:rPr lang="en-US" smtClean="0"/>
-              <a:t>4/8/2022</a:t>
+              <a:t>4/10/2022</a:t>
             </a:fld>
             <a:endParaRPr lang="en-US"/>
           </a:p>
@@ -5576,7 +5576,7 @@
           <a:p>
             <a:fld id="{CFBEA57F-793F-4683-BD8A-741FD4B89154}" type="datetime1">
               <a:rPr lang="en-US" smtClean="0"/>
-              <a:t>4/8/2022</a:t>
+              <a:t>4/10/2022</a:t>
             </a:fld>
             <a:endParaRPr lang="en-US" dirty="0"/>
           </a:p>
@@ -6418,7 +6418,7 @@
                   <a:spcPts val="600"/>
                 </a:spcAft>
               </a:pPr>
-              <a:t>4/8/2022</a:t>
+              <a:t>4/10/2022</a:t>
             </a:fld>
             <a:endParaRPr lang="en-US">
               <a:solidFill>
@@ -6748,7 +6748,7 @@
                   <a:spcPts val="600"/>
                 </a:spcAft>
               </a:pPr>
-              <a:t>4/8/2022</a:t>
+              <a:t>4/10/2022</a:t>
             </a:fld>
             <a:endParaRPr lang="en-US">
               <a:solidFill>
@@ -6958,7 +6958,7 @@
           <a:p>
             <a:fld id="{BE0A88F0-556B-4BB7-8AAB-D63AEB65C662}" type="datetime1">
               <a:rPr lang="en-US" smtClean="0"/>
-              <a:t>4/8/2022</a:t>
+              <a:t>4/10/2022</a:t>
             </a:fld>
             <a:endParaRPr lang="en-US"/>
           </a:p>
@@ -7134,7 +7134,7 @@
           <a:p>
             <a:fld id="{BE0A88F0-556B-4BB7-8AAB-D63AEB65C662}" type="datetime1">
               <a:rPr lang="en-US" smtClean="0"/>
-              <a:t>4/8/2022</a:t>
+              <a:t>4/10/2022</a:t>
             </a:fld>
             <a:endParaRPr lang="en-US"/>
           </a:p>
@@ -7978,7 +7978,7 @@
                   <a:spcPts val="600"/>
                 </a:spcAft>
               </a:pPr>
-              <a:t>4/8/2022</a:t>
+              <a:t>4/10/2022</a:t>
             </a:fld>
             <a:endParaRPr lang="en-US">
               <a:solidFill>
@@ -8739,7 +8739,7 @@
                   <a:spcPts val="600"/>
                 </a:spcAft>
               </a:pPr>
-              <a:t>4/8/2022</a:t>
+              <a:t>4/10/2022</a:t>
             </a:fld>
             <a:endParaRPr lang="en-US">
               <a:solidFill>
@@ -9500,7 +9500,7 @@
                   <a:spcPts val="600"/>
                 </a:spcAft>
               </a:pPr>
-              <a:t>4/8/2022</a:t>
+              <a:t>4/10/2022</a:t>
             </a:fld>
             <a:endParaRPr lang="en-US">
               <a:solidFill>
